--- a/Prezentacie/1. Algoritmus.pptx
+++ b/Prezentacie/1. Algoritmus.pptx
@@ -207,7 +207,7 @@
           <a:p>
             <a:fld id="{4F3E452C-F731-4C85-88B7-BBC1ACAE70C5}" type="datetimeFigureOut">
               <a:rPr lang="en-US" smtClean="0"/>
-              <a:t>5/13/2024</a:t>
+              <a:t>5/14/2024</a:t>
             </a:fld>
             <a:endParaRPr lang="en-US"/>
           </a:p>
@@ -621,7 +621,7 @@
           <a:p>
             <a:fld id="{65CA2C92-6C9C-481F-84FB-9C84A2125FF2}" type="datetime1">
               <a:rPr lang="en-US" smtClean="0"/>
-              <a:t>5/13/2024</a:t>
+              <a:t>5/14/2024</a:t>
             </a:fld>
             <a:endParaRPr lang="en-US"/>
           </a:p>
@@ -822,7 +822,7 @@
           <a:p>
             <a:fld id="{4876FE4B-4377-4A7C-93E2-F87792CE59F1}" type="datetime1">
               <a:rPr lang="en-US" smtClean="0"/>
-              <a:t>5/13/2024</a:t>
+              <a:t>5/14/2024</a:t>
             </a:fld>
             <a:endParaRPr lang="en-US"/>
           </a:p>
@@ -1033,7 +1033,7 @@
           <a:p>
             <a:fld id="{14859AB7-74CA-49D1-AD3E-2C12E7B54913}" type="datetime1">
               <a:rPr lang="en-US" smtClean="0"/>
-              <a:t>5/13/2024</a:t>
+              <a:t>5/14/2024</a:t>
             </a:fld>
             <a:endParaRPr lang="en-US"/>
           </a:p>
@@ -1234,7 +1234,7 @@
           <a:p>
             <a:fld id="{8D3991DC-04E6-45C3-907B-73ADE340B93A}" type="datetime1">
               <a:rPr lang="en-US" smtClean="0"/>
-              <a:t>5/13/2024</a:t>
+              <a:t>5/14/2024</a:t>
             </a:fld>
             <a:endParaRPr lang="en-US"/>
           </a:p>
@@ -1512,7 +1512,7 @@
           <a:p>
             <a:fld id="{9CE20441-F615-49CB-A92F-AF945539B490}" type="datetime1">
               <a:rPr lang="en-US" smtClean="0"/>
-              <a:t>5/13/2024</a:t>
+              <a:t>5/14/2024</a:t>
             </a:fld>
             <a:endParaRPr lang="en-US"/>
           </a:p>
@@ -1780,7 +1780,7 @@
           <a:p>
             <a:fld id="{DB826DE0-7A26-46FE-BEF1-E0982FBC98E0}" type="datetime1">
               <a:rPr lang="en-US" smtClean="0"/>
-              <a:t>5/13/2024</a:t>
+              <a:t>5/14/2024</a:t>
             </a:fld>
             <a:endParaRPr lang="en-US"/>
           </a:p>
@@ -2195,7 +2195,7 @@
           <a:p>
             <a:fld id="{30CEDFB1-B1FD-461B-B2BF-2BF2B2E8636B}" type="datetime1">
               <a:rPr lang="en-US" smtClean="0"/>
-              <a:t>5/13/2024</a:t>
+              <a:t>5/14/2024</a:t>
             </a:fld>
             <a:endParaRPr lang="en-US"/>
           </a:p>
@@ -2339,7 +2339,7 @@
           <a:p>
             <a:fld id="{3A7444AE-D921-4072-AAEE-696A3885427B}" type="datetime1">
               <a:rPr lang="en-US" smtClean="0"/>
-              <a:t>5/13/2024</a:t>
+              <a:t>5/14/2024</a:t>
             </a:fld>
             <a:endParaRPr lang="en-US"/>
           </a:p>
@@ -2455,7 +2455,7 @@
           <a:p>
             <a:fld id="{F2ABCCA7-9570-462F-A588-9B3B7B74263E}" type="datetime1">
               <a:rPr lang="en-US" smtClean="0"/>
-              <a:t>5/13/2024</a:t>
+              <a:t>5/14/2024</a:t>
             </a:fld>
             <a:endParaRPr lang="en-US"/>
           </a:p>
@@ -2769,7 +2769,7 @@
           <a:p>
             <a:fld id="{3F8D35FB-35BE-40B5-9054-F6B53F4911EF}" type="datetime1">
               <a:rPr lang="en-US" smtClean="0"/>
-              <a:t>5/13/2024</a:t>
+              <a:t>5/14/2024</a:t>
             </a:fld>
             <a:endParaRPr lang="en-US"/>
           </a:p>
@@ -3060,7 +3060,7 @@
           <a:p>
             <a:fld id="{DCF776FD-93DF-40A0-AC63-D488DCEF041E}" type="datetime1">
               <a:rPr lang="en-US" smtClean="0"/>
-              <a:t>5/13/2024</a:t>
+              <a:t>5/14/2024</a:t>
             </a:fld>
             <a:endParaRPr lang="en-US"/>
           </a:p>
@@ -3304,7 +3304,7 @@
           <a:p>
             <a:fld id="{A8038B69-1B50-4374-9645-5EDC0CF5360A}" type="datetime1">
               <a:rPr lang="en-US" smtClean="0"/>
-              <a:t>5/13/2024</a:t>
+              <a:t>5/14/2024</a:t>
             </a:fld>
             <a:endParaRPr lang="en-US"/>
           </a:p>
@@ -4700,7 +4700,7 @@
               <a:t> </a:t>
             </a:r>
             <a:r>
-              <a:rPr lang="en-US" dirty="0" err="1">
+              <a:rPr lang="en-US" b="1" dirty="0" err="1">
                 <a:solidFill>
                   <a:srgbClr val="0070C0"/>
                 </a:solidFill>
@@ -4708,7 +4708,7 @@
               <a:t>postupnosť</a:t>
             </a:r>
             <a:r>
-              <a:rPr lang="en-US" dirty="0">
+              <a:rPr lang="en-US" b="1" dirty="0">
                 <a:solidFill>
                   <a:srgbClr val="0070C0"/>
                 </a:solidFill>
@@ -4716,7 +4716,7 @@
               <a:t> </a:t>
             </a:r>
             <a:r>
-              <a:rPr lang="en-US" dirty="0" err="1">
+              <a:rPr lang="en-US" b="1" dirty="0" err="1">
                 <a:solidFill>
                   <a:srgbClr val="0070C0"/>
                 </a:solidFill>
@@ -4724,7 +4724,7 @@
               <a:t>operácií</a:t>
             </a:r>
             <a:r>
-              <a:rPr lang="en-US" dirty="0">
+              <a:rPr lang="en-US" b="1" dirty="0">
                 <a:solidFill>
                   <a:srgbClr val="0070C0"/>
                 </a:solidFill>
@@ -5629,7 +5629,7 @@
           <a:p>
             <a:pPr lvl="1" algn="just"/>
             <a:r>
-              <a:rPr lang="en-US" dirty="0" err="1">
+              <a:rPr lang="en-US" b="1" dirty="0" err="1">
                 <a:solidFill>
                   <a:srgbClr val="0070C0"/>
                 </a:solidFill>
@@ -5637,7 +5637,7 @@
               <a:t>prirodzený</a:t>
             </a:r>
             <a:r>
-              <a:rPr lang="en-US" dirty="0">
+              <a:rPr lang="en-US" b="1" dirty="0">
                 <a:solidFill>
                   <a:srgbClr val="0070C0"/>
                 </a:solidFill>
@@ -5645,14 +5645,14 @@
               <a:t> </a:t>
             </a:r>
             <a:r>
-              <a:rPr lang="en-US" dirty="0" err="1">
+              <a:rPr lang="en-US" b="1" dirty="0" err="1">
                 <a:solidFill>
                   <a:srgbClr val="0070C0"/>
                 </a:solidFill>
               </a:rPr>
               <a:t>jazyk</a:t>
             </a:r>
-            <a:endParaRPr lang="sk-SK" dirty="0">
+            <a:endParaRPr lang="sk-SK" b="1" dirty="0">
               <a:solidFill>
                 <a:srgbClr val="0070C0"/>
               </a:solidFill>
@@ -5661,14 +5661,14 @@
           <a:p>
             <a:pPr lvl="1" algn="just"/>
             <a:r>
-              <a:rPr lang="en-US" dirty="0" err="1">
+              <a:rPr lang="en-US" b="1" dirty="0" err="1">
                 <a:solidFill>
                   <a:srgbClr val="0070C0"/>
                 </a:solidFill>
               </a:rPr>
               <a:t>pseudokód</a:t>
             </a:r>
-            <a:endParaRPr lang="en-US" dirty="0">
+            <a:endParaRPr lang="en-US" b="1" dirty="0">
               <a:solidFill>
                 <a:srgbClr val="0070C0"/>
               </a:solidFill>
@@ -5677,7 +5677,7 @@
           <a:p>
             <a:pPr lvl="1" algn="just"/>
             <a:r>
-              <a:rPr lang="en-US" dirty="0" err="1">
+              <a:rPr lang="en-US" b="1" dirty="0" err="1">
                 <a:solidFill>
                   <a:srgbClr val="0070C0"/>
                 </a:solidFill>
@@ -5685,7 +5685,7 @@
               <a:t>vývojový</a:t>
             </a:r>
             <a:r>
-              <a:rPr lang="en-US" dirty="0">
+              <a:rPr lang="en-US" b="1" dirty="0">
                 <a:solidFill>
                   <a:srgbClr val="0070C0"/>
                 </a:solidFill>
@@ -5696,7 +5696,7 @@
           <a:p>
             <a:pPr lvl="1" algn="just"/>
             <a:r>
-              <a:rPr lang="en-US" dirty="0" err="1">
+              <a:rPr lang="en-US" b="1" dirty="0" err="1">
                 <a:solidFill>
                   <a:srgbClr val="0070C0"/>
                 </a:solidFill>
@@ -5704,7 +5704,7 @@
               <a:t>programovací</a:t>
             </a:r>
             <a:r>
-              <a:rPr lang="en-US" dirty="0">
+              <a:rPr lang="en-US" b="1" dirty="0">
                 <a:solidFill>
                   <a:srgbClr val="0070C0"/>
                 </a:solidFill>
@@ -5712,14 +5712,14 @@
               <a:t> </a:t>
             </a:r>
             <a:r>
-              <a:rPr lang="en-US" dirty="0" err="1">
+              <a:rPr lang="en-US" b="1" dirty="0" err="1">
                 <a:solidFill>
                   <a:srgbClr val="0070C0"/>
                 </a:solidFill>
               </a:rPr>
               <a:t>jazyk</a:t>
             </a:r>
-            <a:endParaRPr lang="en-US" dirty="0">
+            <a:endParaRPr lang="en-US" b="1" dirty="0">
               <a:solidFill>
                 <a:srgbClr val="0070C0"/>
               </a:solidFill>
@@ -7336,7 +7336,7 @@
         <p:spPr>
           <a:xfrm>
             <a:off x="838200" y="2326640"/>
-            <a:ext cx="10515600" cy="2497931"/>
+            <a:ext cx="10515600" cy="3068320"/>
           </a:xfrm>
           <a:solidFill>
             <a:srgbClr val="A1E6ED"/>
@@ -7379,7 +7379,7 @@
         </p:style>
         <p:txBody>
           <a:bodyPr>
-            <a:normAutofit fontScale="85000" lnSpcReduction="10000"/>
+            <a:normAutofit/>
           </a:bodyPr>
           <a:lstStyle/>
           <a:p>
@@ -7611,71 +7611,15 @@
                   <a:srgbClr val="0070C0"/>
                 </a:solidFill>
               </a:rPr>
-              <a:t> - </a:t>
-            </a:r>
-            <a:r>
-              <a:rPr lang="en-US" dirty="0" err="1">
-                <a:solidFill>
-                  <a:srgbClr val="0070C0"/>
-                </a:solidFill>
-              </a:rPr>
-              <a:t>nerieši</a:t>
-            </a:r>
-            <a:r>
-              <a:rPr lang="en-US" dirty="0">
-                <a:solidFill>
-                  <a:srgbClr val="0070C0"/>
-                </a:solidFill>
-              </a:rPr>
-              <a:t> </a:t>
-            </a:r>
-            <a:r>
-              <a:rPr lang="en-US" dirty="0" err="1">
-                <a:solidFill>
-                  <a:srgbClr val="0070C0"/>
-                </a:solidFill>
-              </a:rPr>
-              <a:t>iba</a:t>
-            </a:r>
-            <a:r>
-              <a:rPr lang="en-US" dirty="0">
-                <a:solidFill>
-                  <a:srgbClr val="0070C0"/>
-                </a:solidFill>
-              </a:rPr>
-              <a:t> </a:t>
-            </a:r>
-            <a:r>
-              <a:rPr lang="en-US" dirty="0" err="1">
-                <a:solidFill>
-                  <a:srgbClr val="0070C0"/>
-                </a:solidFill>
-              </a:rPr>
-              <a:t>konkrétny</a:t>
-            </a:r>
-            <a:r>
-              <a:rPr lang="en-US" dirty="0">
-                <a:solidFill>
-                  <a:srgbClr val="0070C0"/>
-                </a:solidFill>
-              </a:rPr>
-              <a:t> </a:t>
-            </a:r>
-            <a:r>
-              <a:rPr lang="en-US" dirty="0" err="1">
-                <a:solidFill>
-                  <a:srgbClr val="0070C0"/>
-                </a:solidFill>
-              </a:rPr>
-              <a:t>prípad</a:t>
-            </a:r>
-            <a:r>
-              <a:rPr lang="en-US" dirty="0">
-                <a:solidFill>
-                  <a:srgbClr val="0070C0"/>
-                </a:solidFill>
-              </a:rPr>
-              <a:t>, ale </a:t>
+              <a:t> – </a:t>
+            </a:r>
+            <a:r>
+              <a:rPr lang="sk-SK" dirty="0">
+                <a:solidFill>
+                  <a:srgbClr val="0070C0"/>
+                </a:solidFill>
+              </a:rPr>
+              <a:t>rieši </a:t>
             </a:r>
             <a:r>
               <a:rPr lang="en-US" dirty="0" err="1">
